--- a/UCB_Bootcamp_Final.pptx
+++ b/UCB_Bootcamp_Final.pptx
@@ -6,6 +6,10 @@
   </p:sldMasterIdLst>
   <p:sldIdLst>
     <p:sldId id="256" r:id="rId2"/>
+    <p:sldId id="258" r:id="rId3"/>
+    <p:sldId id="257" r:id="rId4"/>
+    <p:sldId id="259" r:id="rId5"/>
+    <p:sldId id="260" r:id="rId6"/>
   </p:sldIdLst>
   <p:sldSz cx="12192000" cy="6858000"/>
   <p:notesSz cx="6858000" cy="9144000"/>
@@ -3406,6 +3410,398 @@
 </p:sld>
 </file>
 
+<file path=ppt/slides/slide2.xml><?xml version="1.0" encoding="utf-8"?>
+<p:sld xmlns:a="http://schemas.openxmlformats.org/drawingml/2006/main" xmlns:r="http://schemas.openxmlformats.org/officeDocument/2006/relationships" xmlns:p="http://schemas.openxmlformats.org/presentationml/2006/main">
+  <p:cSld>
+    <p:spTree>
+      <p:nvGrpSpPr>
+        <p:cNvPr id="1" name=""/>
+        <p:cNvGrpSpPr/>
+        <p:nvPr/>
+      </p:nvGrpSpPr>
+      <p:grpSpPr>
+        <a:xfrm>
+          <a:off x="0" y="0"/>
+          <a:ext cx="0" cy="0"/>
+          <a:chOff x="0" y="0"/>
+          <a:chExt cx="0" cy="0"/>
+        </a:xfrm>
+      </p:grpSpPr>
+      <p:sp>
+        <p:nvSpPr>
+          <p:cNvPr id="2" name="Title 1">
+            <a:extLst>
+              <a:ext uri="{FF2B5EF4-FFF2-40B4-BE49-F238E27FC236}">
+                <a16:creationId xmlns:a16="http://schemas.microsoft.com/office/drawing/2014/main" id="{6450401E-013D-E345-A612-C7C3E5021313}"/>
+              </a:ext>
+            </a:extLst>
+          </p:cNvPr>
+          <p:cNvSpPr>
+            <a:spLocks noGrp="1"/>
+          </p:cNvSpPr>
+          <p:nvPr>
+            <p:ph type="title"/>
+          </p:nvPr>
+        </p:nvSpPr>
+        <p:spPr/>
+        <p:txBody>
+          <a:bodyPr/>
+          <a:lstStyle/>
+          <a:p>
+            <a:r>
+              <a:rPr lang="en-US" dirty="0"/>
+              <a:t>The Big Question:</a:t>
+            </a:r>
+          </a:p>
+        </p:txBody>
+      </p:sp>
+      <p:sp>
+        <p:nvSpPr>
+          <p:cNvPr id="3" name="Text Placeholder 2">
+            <a:extLst>
+              <a:ext uri="{FF2B5EF4-FFF2-40B4-BE49-F238E27FC236}">
+                <a16:creationId xmlns:a16="http://schemas.microsoft.com/office/drawing/2014/main" id="{67D9A725-C8B7-AD41-B200-DCFB37A1D1DF}"/>
+              </a:ext>
+            </a:extLst>
+          </p:cNvPr>
+          <p:cNvSpPr>
+            <a:spLocks noGrp="1"/>
+          </p:cNvSpPr>
+          <p:nvPr>
+            <p:ph type="body" idx="1"/>
+          </p:nvPr>
+        </p:nvSpPr>
+        <p:spPr/>
+        <p:txBody>
+          <a:bodyPr/>
+          <a:lstStyle/>
+          <a:p>
+            <a:r>
+              <a:rPr lang="en-US" dirty="0"/>
+              <a:t>Can we create a machine learning prediction model for the ranking of overall country’s happiness based on historical data of their rankings and their GDP?</a:t>
+            </a:r>
+          </a:p>
+        </p:txBody>
+      </p:sp>
+    </p:spTree>
+    <p:extLst>
+      <p:ext uri="{BB962C8B-B14F-4D97-AF65-F5344CB8AC3E}">
+        <p14:creationId xmlns:p14="http://schemas.microsoft.com/office/powerpoint/2010/main" val="4046026690"/>
+      </p:ext>
+    </p:extLst>
+  </p:cSld>
+  <p:clrMapOvr>
+    <a:masterClrMapping/>
+  </p:clrMapOvr>
+</p:sld>
+</file>
+
+<file path=ppt/slides/slide3.xml><?xml version="1.0" encoding="utf-8"?>
+<p:sld xmlns:a="http://schemas.openxmlformats.org/drawingml/2006/main" xmlns:r="http://schemas.openxmlformats.org/officeDocument/2006/relationships" xmlns:p="http://schemas.openxmlformats.org/presentationml/2006/main">
+  <p:cSld>
+    <p:spTree>
+      <p:nvGrpSpPr>
+        <p:cNvPr id="1" name=""/>
+        <p:cNvGrpSpPr/>
+        <p:nvPr/>
+      </p:nvGrpSpPr>
+      <p:grpSpPr>
+        <a:xfrm>
+          <a:off x="0" y="0"/>
+          <a:ext cx="0" cy="0"/>
+          <a:chOff x="0" y="0"/>
+          <a:chExt cx="0" cy="0"/>
+        </a:xfrm>
+      </p:grpSpPr>
+      <p:sp>
+        <p:nvSpPr>
+          <p:cNvPr id="2" name="Title 1">
+            <a:extLst>
+              <a:ext uri="{FF2B5EF4-FFF2-40B4-BE49-F238E27FC236}">
+                <a16:creationId xmlns:a16="http://schemas.microsoft.com/office/drawing/2014/main" id="{6FF9CFA7-973B-8F40-B9DA-4003D3DC7211}"/>
+              </a:ext>
+            </a:extLst>
+          </p:cNvPr>
+          <p:cNvSpPr>
+            <a:spLocks noGrp="1"/>
+          </p:cNvSpPr>
+          <p:nvPr>
+            <p:ph type="title"/>
+          </p:nvPr>
+        </p:nvSpPr>
+        <p:spPr/>
+        <p:txBody>
+          <a:bodyPr/>
+          <a:lstStyle/>
+          <a:p>
+            <a:r>
+              <a:rPr lang="en-US" dirty="0"/>
+              <a:t>Why we selected this?</a:t>
+            </a:r>
+          </a:p>
+        </p:txBody>
+      </p:sp>
+      <p:sp>
+        <p:nvSpPr>
+          <p:cNvPr id="3" name="Content Placeholder 2">
+            <a:extLst>
+              <a:ext uri="{FF2B5EF4-FFF2-40B4-BE49-F238E27FC236}">
+                <a16:creationId xmlns:a16="http://schemas.microsoft.com/office/drawing/2014/main" id="{3206080F-1EBD-6A48-9EE7-7F4F7DC61AAB}"/>
+              </a:ext>
+            </a:extLst>
+          </p:cNvPr>
+          <p:cNvSpPr>
+            <a:spLocks noGrp="1"/>
+          </p:cNvSpPr>
+          <p:nvPr>
+            <p:ph idx="1"/>
+          </p:nvPr>
+        </p:nvSpPr>
+        <p:spPr/>
+        <p:txBody>
+          <a:bodyPr/>
+          <a:lstStyle/>
+          <a:p>
+            <a:r>
+              <a:rPr lang="en-US" dirty="0"/>
+              <a:t>Happiness indicators for a given country can help government officials mimic the practices of those countries</a:t>
+            </a:r>
+          </a:p>
+          <a:p>
+            <a:r>
+              <a:rPr lang="en-US" dirty="0"/>
+              <a:t>Does Money really buy happiness?</a:t>
+            </a:r>
+          </a:p>
+        </p:txBody>
+      </p:sp>
+    </p:spTree>
+    <p:extLst>
+      <p:ext uri="{BB962C8B-B14F-4D97-AF65-F5344CB8AC3E}">
+        <p14:creationId xmlns:p14="http://schemas.microsoft.com/office/powerpoint/2010/main" val="3240160712"/>
+      </p:ext>
+    </p:extLst>
+  </p:cSld>
+  <p:clrMapOvr>
+    <a:masterClrMapping/>
+  </p:clrMapOvr>
+</p:sld>
+</file>
+
+<file path=ppt/slides/slide4.xml><?xml version="1.0" encoding="utf-8"?>
+<p:sld xmlns:a="http://schemas.openxmlformats.org/drawingml/2006/main" xmlns:r="http://schemas.openxmlformats.org/officeDocument/2006/relationships" xmlns:p="http://schemas.openxmlformats.org/presentationml/2006/main">
+  <p:cSld>
+    <p:spTree>
+      <p:nvGrpSpPr>
+        <p:cNvPr id="1" name=""/>
+        <p:cNvGrpSpPr/>
+        <p:nvPr/>
+      </p:nvGrpSpPr>
+      <p:grpSpPr>
+        <a:xfrm>
+          <a:off x="0" y="0"/>
+          <a:ext cx="0" cy="0"/>
+          <a:chOff x="0" y="0"/>
+          <a:chExt cx="0" cy="0"/>
+        </a:xfrm>
+      </p:grpSpPr>
+      <p:sp>
+        <p:nvSpPr>
+          <p:cNvPr id="2" name="Title 1">
+            <a:extLst>
+              <a:ext uri="{FF2B5EF4-FFF2-40B4-BE49-F238E27FC236}">
+                <a16:creationId xmlns:a16="http://schemas.microsoft.com/office/drawing/2014/main" id="{93BD5911-ED9F-A048-8E22-011F56CC56DB}"/>
+              </a:ext>
+            </a:extLst>
+          </p:cNvPr>
+          <p:cNvSpPr>
+            <a:spLocks noGrp="1"/>
+          </p:cNvSpPr>
+          <p:nvPr>
+            <p:ph type="title"/>
+          </p:nvPr>
+        </p:nvSpPr>
+        <p:spPr/>
+        <p:txBody>
+          <a:bodyPr/>
+          <a:lstStyle/>
+          <a:p>
+            <a:r>
+              <a:rPr lang="en-US" dirty="0"/>
+              <a:t>Data Sources</a:t>
+            </a:r>
+          </a:p>
+        </p:txBody>
+      </p:sp>
+      <p:sp>
+        <p:nvSpPr>
+          <p:cNvPr id="3" name="Content Placeholder 2">
+            <a:extLst>
+              <a:ext uri="{FF2B5EF4-FFF2-40B4-BE49-F238E27FC236}">
+                <a16:creationId xmlns:a16="http://schemas.microsoft.com/office/drawing/2014/main" id="{7AB63A76-4510-DD44-AC9F-292E79195CA1}"/>
+              </a:ext>
+            </a:extLst>
+          </p:cNvPr>
+          <p:cNvSpPr>
+            <a:spLocks noGrp="1"/>
+          </p:cNvSpPr>
+          <p:nvPr>
+            <p:ph idx="1"/>
+          </p:nvPr>
+        </p:nvSpPr>
+        <p:spPr/>
+        <p:txBody>
+          <a:bodyPr/>
+          <a:lstStyle/>
+          <a:p>
+            <a:r>
+              <a:rPr lang="en-US" dirty="0"/>
+              <a:t>World Happiness Data yearly data (2011-2019)</a:t>
+            </a:r>
+            <a:endParaRPr lang="en-US" b="0" dirty="0">
+              <a:effectLst/>
+            </a:endParaRPr>
+          </a:p>
+          <a:p>
+            <a:r>
+              <a:rPr lang="en-US" dirty="0"/>
+              <a:t>World Happiness Ranking (2021)</a:t>
+            </a:r>
+          </a:p>
+          <a:p>
+            <a:r>
+              <a:rPr lang="en-US" b="0" dirty="0">
+                <a:effectLst/>
+              </a:rPr>
+              <a:t>Top 500 Billionaire</a:t>
+            </a:r>
+            <a:r>
+              <a:rPr lang="en-US" dirty="0"/>
+              <a:t>s (2021)</a:t>
+            </a:r>
+            <a:endParaRPr lang="en-US" b="0" dirty="0">
+              <a:effectLst/>
+            </a:endParaRPr>
+          </a:p>
+        </p:txBody>
+      </p:sp>
+    </p:spTree>
+    <p:extLst>
+      <p:ext uri="{BB962C8B-B14F-4D97-AF65-F5344CB8AC3E}">
+        <p14:creationId xmlns:p14="http://schemas.microsoft.com/office/powerpoint/2010/main" val="70040009"/>
+      </p:ext>
+    </p:extLst>
+  </p:cSld>
+  <p:clrMapOvr>
+    <a:masterClrMapping/>
+  </p:clrMapOvr>
+</p:sld>
+</file>
+
+<file path=ppt/slides/slide5.xml><?xml version="1.0" encoding="utf-8"?>
+<p:sld xmlns:a="http://schemas.openxmlformats.org/drawingml/2006/main" xmlns:r="http://schemas.openxmlformats.org/officeDocument/2006/relationships" xmlns:p="http://schemas.openxmlformats.org/presentationml/2006/main">
+  <p:cSld>
+    <p:spTree>
+      <p:nvGrpSpPr>
+        <p:cNvPr id="1" name=""/>
+        <p:cNvGrpSpPr/>
+        <p:nvPr/>
+      </p:nvGrpSpPr>
+      <p:grpSpPr>
+        <a:xfrm>
+          <a:off x="0" y="0"/>
+          <a:ext cx="0" cy="0"/>
+          <a:chOff x="0" y="0"/>
+          <a:chExt cx="0" cy="0"/>
+        </a:xfrm>
+      </p:grpSpPr>
+      <p:sp>
+        <p:nvSpPr>
+          <p:cNvPr id="2" name="Title 1">
+            <a:extLst>
+              <a:ext uri="{FF2B5EF4-FFF2-40B4-BE49-F238E27FC236}">
+                <a16:creationId xmlns:a16="http://schemas.microsoft.com/office/drawing/2014/main" id="{16B0B8F4-CA0A-2241-A117-9FB952173B05}"/>
+              </a:ext>
+            </a:extLst>
+          </p:cNvPr>
+          <p:cNvSpPr>
+            <a:spLocks noGrp="1"/>
+          </p:cNvSpPr>
+          <p:nvPr>
+            <p:ph type="title"/>
+          </p:nvPr>
+        </p:nvSpPr>
+        <p:spPr/>
+        <p:txBody>
+          <a:bodyPr/>
+          <a:lstStyle/>
+          <a:p>
+            <a:r>
+              <a:rPr lang="en-US" dirty="0"/>
+              <a:t>Questions we want answered!</a:t>
+            </a:r>
+          </a:p>
+        </p:txBody>
+      </p:sp>
+      <p:sp>
+        <p:nvSpPr>
+          <p:cNvPr id="3" name="Content Placeholder 2">
+            <a:extLst>
+              <a:ext uri="{FF2B5EF4-FFF2-40B4-BE49-F238E27FC236}">
+                <a16:creationId xmlns:a16="http://schemas.microsoft.com/office/drawing/2014/main" id="{28CB4AB2-F5A9-0943-9A37-4C177D17E2A2}"/>
+              </a:ext>
+            </a:extLst>
+          </p:cNvPr>
+          <p:cNvSpPr>
+            <a:spLocks noGrp="1"/>
+          </p:cNvSpPr>
+          <p:nvPr>
+            <p:ph idx="1"/>
+          </p:nvPr>
+        </p:nvSpPr>
+        <p:spPr/>
+        <p:txBody>
+          <a:bodyPr/>
+          <a:lstStyle/>
+          <a:p>
+            <a:r>
+              <a:rPr lang="en-US" dirty="0"/>
+              <a:t>What are the key indicators of the happiness ranking system?</a:t>
+            </a:r>
+          </a:p>
+          <a:p>
+            <a:r>
+              <a:rPr lang="en-US" dirty="0"/>
+              <a:t>What countries are predicted to have higher rankings?</a:t>
+            </a:r>
+          </a:p>
+          <a:p>
+            <a:r>
+              <a:rPr lang="en-US" dirty="0"/>
+              <a:t>What countries will drop in the rankings?</a:t>
+            </a:r>
+          </a:p>
+          <a:p>
+            <a:r>
+              <a:rPr lang="en-US" dirty="0"/>
+              <a:t>Are billionaires living in the highest ranked happy countries?</a:t>
+            </a:r>
+          </a:p>
+        </p:txBody>
+      </p:sp>
+    </p:spTree>
+    <p:extLst>
+      <p:ext uri="{BB962C8B-B14F-4D97-AF65-F5344CB8AC3E}">
+        <p14:creationId xmlns:p14="http://schemas.microsoft.com/office/powerpoint/2010/main" val="530530444"/>
+      </p:ext>
+    </p:extLst>
+  </p:cSld>
+  <p:clrMapOvr>
+    <a:masterClrMapping/>
+  </p:clrMapOvr>
+</p:sld>
+</file>
+
 <file path=ppt/theme/theme1.xml><?xml version="1.0" encoding="utf-8"?>
 <a:theme xmlns:a="http://schemas.openxmlformats.org/drawingml/2006/main" name="Office Theme">
   <a:themeElements>

--- a/UCB_Bootcamp_Final.pptx
+++ b/UCB_Bootcamp_Final.pptx
@@ -108,6 +108,11 @@
       </a:defRPr>
     </a:lvl9pPr>
   </p:defaultTextStyle>
+  <p:extLst>
+    <p:ext uri="{EFAFB233-063F-42B5-8137-9DF3F51BA10A}">
+      <p15:sldGuideLst xmlns:p15="http://schemas.microsoft.com/office/powerpoint/2012/main"/>
+    </p:ext>
+  </p:extLst>
 </p:presentation>
 </file>
 
@@ -3575,6 +3580,53 @@
           </a:p>
         </p:txBody>
       </p:sp>
+      <p:pic>
+        <p:nvPicPr>
+          <p:cNvPr id="1026" name="Picture 2" descr="The &amp;#39;why&amp;#39; will guide the &amp;#39;what&amp;#39; and the &amp;#39;how&amp;#39; | by Daniel Christian Wahl |  Activate The Future | Medium">
+            <a:extLst>
+              <a:ext uri="{FF2B5EF4-FFF2-40B4-BE49-F238E27FC236}">
+                <a16:creationId xmlns:a16="http://schemas.microsoft.com/office/drawing/2014/main" id="{6063BB72-198B-1244-B7A8-8ABB53CE7F98}"/>
+              </a:ext>
+            </a:extLst>
+          </p:cNvPr>
+          <p:cNvPicPr>
+            <a:picLocks noChangeAspect="1" noChangeArrowheads="1"/>
+          </p:cNvPicPr>
+          <p:nvPr/>
+        </p:nvPicPr>
+        <p:blipFill>
+          <a:blip r:embed="rId2">
+            <a:extLst>
+              <a:ext uri="{28A0092B-C50C-407E-A947-70E740481C1C}">
+                <a14:useLocalDpi xmlns:a14="http://schemas.microsoft.com/office/drawing/2010/main" val="0"/>
+              </a:ext>
+            </a:extLst>
+          </a:blip>
+          <a:srcRect/>
+          <a:stretch>
+            <a:fillRect/>
+          </a:stretch>
+        </p:blipFill>
+        <p:spPr bwMode="auto">
+          <a:xfrm>
+            <a:off x="6643255" y="4017963"/>
+            <a:ext cx="4710545" cy="2159000"/>
+          </a:xfrm>
+          <a:prstGeom prst="rect">
+            <a:avLst/>
+          </a:prstGeom>
+          <a:noFill/>
+          <a:extLst>
+            <a:ext uri="{909E8E84-426E-40DD-AFC4-6F175D3DCCD1}">
+              <a14:hiddenFill xmlns:a14="http://schemas.microsoft.com/office/drawing/2010/main">
+                <a:solidFill>
+                  <a:srgbClr val="FFFFFF"/>
+                </a:solidFill>
+              </a14:hiddenFill>
+            </a:ext>
+          </a:extLst>
+        </p:spPr>
+      </p:pic>
     </p:spTree>
     <p:extLst>
       <p:ext uri="{BB962C8B-B14F-4D97-AF65-F5344CB8AC3E}">
@@ -3685,6 +3737,53 @@
           </a:p>
         </p:txBody>
       </p:sp>
+      <p:pic>
+        <p:nvPicPr>
+          <p:cNvPr id="2050" name="Picture 2" descr="Home - The Data Value Factory">
+            <a:extLst>
+              <a:ext uri="{FF2B5EF4-FFF2-40B4-BE49-F238E27FC236}">
+                <a16:creationId xmlns:a16="http://schemas.microsoft.com/office/drawing/2014/main" id="{84429049-614C-8044-81C7-3801D6021E54}"/>
+              </a:ext>
+            </a:extLst>
+          </p:cNvPr>
+          <p:cNvPicPr>
+            <a:picLocks noChangeAspect="1" noChangeArrowheads="1"/>
+          </p:cNvPicPr>
+          <p:nvPr/>
+        </p:nvPicPr>
+        <p:blipFill>
+          <a:blip r:embed="rId2">
+            <a:extLst>
+              <a:ext uri="{28A0092B-C50C-407E-A947-70E740481C1C}">
+                <a14:useLocalDpi xmlns:a14="http://schemas.microsoft.com/office/drawing/2010/main" val="0"/>
+              </a:ext>
+            </a:extLst>
+          </a:blip>
+          <a:srcRect/>
+          <a:stretch>
+            <a:fillRect/>
+          </a:stretch>
+        </p:blipFill>
+        <p:spPr bwMode="auto">
+          <a:xfrm>
+            <a:off x="4870450" y="1609111"/>
+            <a:ext cx="6483350" cy="5248889"/>
+          </a:xfrm>
+          <a:prstGeom prst="rect">
+            <a:avLst/>
+          </a:prstGeom>
+          <a:noFill/>
+          <a:extLst>
+            <a:ext uri="{909E8E84-426E-40DD-AFC4-6F175D3DCCD1}">
+              <a14:hiddenFill xmlns:a14="http://schemas.microsoft.com/office/drawing/2010/main">
+                <a:solidFill>
+                  <a:srgbClr val="FFFFFF"/>
+                </a:solidFill>
+              </a14:hiddenFill>
+            </a:ext>
+          </a:extLst>
+        </p:spPr>
+      </p:pic>
     </p:spTree>
     <p:extLst>
       <p:ext uri="{BB962C8B-B14F-4D97-AF65-F5344CB8AC3E}">
@@ -3759,7 +3858,12 @@
             <p:ph idx="1"/>
           </p:nvPr>
         </p:nvSpPr>
-        <p:spPr/>
+        <p:spPr>
+          <a:xfrm>
+            <a:off x="838200" y="1825625"/>
+            <a:ext cx="5803900" cy="4351338"/>
+          </a:xfrm>
+        </p:spPr>
         <p:txBody>
           <a:bodyPr/>
           <a:lstStyle/>
@@ -3789,6 +3893,53 @@
           </a:p>
         </p:txBody>
       </p:sp>
+      <p:pic>
+        <p:nvPicPr>
+          <p:cNvPr id="3078" name="Picture 6">
+            <a:extLst>
+              <a:ext uri="{FF2B5EF4-FFF2-40B4-BE49-F238E27FC236}">
+                <a16:creationId xmlns:a16="http://schemas.microsoft.com/office/drawing/2014/main" id="{8E833AF7-A440-8F41-8ECC-BC9944159BCB}"/>
+              </a:ext>
+            </a:extLst>
+          </p:cNvPr>
+          <p:cNvPicPr>
+            <a:picLocks noChangeAspect="1" noChangeArrowheads="1"/>
+          </p:cNvPicPr>
+          <p:nvPr/>
+        </p:nvPicPr>
+        <p:blipFill>
+          <a:blip r:embed="rId2">
+            <a:extLst>
+              <a:ext uri="{28A0092B-C50C-407E-A947-70E740481C1C}">
+                <a14:useLocalDpi xmlns:a14="http://schemas.microsoft.com/office/drawing/2010/main" val="0"/>
+              </a:ext>
+            </a:extLst>
+          </a:blip>
+          <a:srcRect/>
+          <a:stretch>
+            <a:fillRect/>
+          </a:stretch>
+        </p:blipFill>
+        <p:spPr bwMode="auto">
+          <a:xfrm>
+            <a:off x="6972299" y="1690688"/>
+            <a:ext cx="3940175" cy="3940175"/>
+          </a:xfrm>
+          <a:prstGeom prst="rect">
+            <a:avLst/>
+          </a:prstGeom>
+          <a:noFill/>
+          <a:extLst>
+            <a:ext uri="{909E8E84-426E-40DD-AFC4-6F175D3DCCD1}">
+              <a14:hiddenFill xmlns:a14="http://schemas.microsoft.com/office/drawing/2010/main">
+                <a:solidFill>
+                  <a:srgbClr val="FFFFFF"/>
+                </a:solidFill>
+              </a14:hiddenFill>
+            </a:ext>
+          </a:extLst>
+        </p:spPr>
+      </p:pic>
     </p:spTree>
     <p:extLst>
       <p:ext uri="{BB962C8B-B14F-4D97-AF65-F5344CB8AC3E}">
